--- a/map final updated.pptx
+++ b/map final updated.pptx
@@ -7,9 +7,6 @@
   <p:sldIdLst>
     <p:sldId id="256" r:id="rId6"/>
     <p:sldId id="257" r:id="rId7"/>
-    <p:sldId id="258" r:id="rId8"/>
-    <p:sldId id="259" r:id="rId9"/>
-    <p:sldId id="260" r:id="rId10"/>
   </p:sldIdLst>
   <p:sldSz cx="12192000" cy="6858000"/>
   <p:notesSz cx="6858000" cy="9144000"/>
@@ -3330,7 +3327,7 @@
           <p:cNvPr id="0" name="slide1">
             <a:extLst>
               <a:ext uri="{FF2B5EF4-FFF2-40B4-BE49-F238E27FC236}">
-                <a16:creationId xmlns:a16="http://schemas.microsoft.com/office/drawing/2014/main" id="{A3247BDC-394E-4B51-BE46-481DA4D8367E}"/>
+                <a16:creationId xmlns:a16="http://schemas.microsoft.com/office/drawing/2014/main" id="{266DFB8C-9148-461E-A405-4CBBC72580D7}"/>
               </a:ext>
             </a:extLst>
           </p:cNvPr>
@@ -3358,7 +3355,7 @@
           <p:cNvPr id="1" name="slide1">
             <a:extLst>
               <a:ext uri="{FF2B5EF4-FFF2-40B4-BE49-F238E27FC236}">
-                <a16:creationId xmlns:a16="http://schemas.microsoft.com/office/drawing/2014/main" id="{67191E3B-99C4-493A-8247-F72930CC00A6}"/>
+                <a16:creationId xmlns:a16="http://schemas.microsoft.com/office/drawing/2014/main" id="{0F59FED8-AB60-455D-BDA6-F6BDABB97B97}"/>
               </a:ext>
             </a:extLst>
           </p:cNvPr>
@@ -3376,7 +3373,7 @@
           <a:p>
             <a:r>
               <a:rPr/>
-              <a:t>File created on: 8/5/2021 11:02:23 PM</a:t>
+              <a:t>File created on: 8/5/2021 11:41:35 PM</a:t>
             </a:r>
           </a:p>
         </p:txBody>
@@ -3416,7 +3413,7 @@
           <p:cNvPr descr="Communicable Diseases Worldwide (2)" id="2" name="slide2">
             <a:extLst>
               <a:ext uri="{FF2B5EF4-FFF2-40B4-BE49-F238E27FC236}">
-                <a16:creationId xmlns:a16="http://schemas.microsoft.com/office/drawing/2014/main" id="{1B640B67-B499-4BA0-82BC-D3673C572FC1}"/>
+                <a16:creationId xmlns:a16="http://schemas.microsoft.com/office/drawing/2014/main" id="{E6B9E4A0-11C2-46D8-A885-A263770B2173}"/>
               </a:ext>
             </a:extLst>
           </p:cNvPr>
@@ -3441,204 +3438,6 @@
           <a:xfrm>
             <a:off x="172034" y="0"/>
             <a:ext cx="11847932" cy="6858000"/>
-          </a:xfrm>
-          <a:prstGeom prst="rect">
-            <a:avLst/>
-          </a:prstGeom>
-        </p:spPr>
-      </p:pic>
-    </p:spTree>
-    <p:extLst>
-      <p:ext uri="{BB962C8B-B14F-4D97-AF65-F5344CB8AC3E}">
-        <p14:creationId xmlns:p14="http://schemas.microsoft.com/office/powerpoint/2010/main" val="95992585"/>
-      </p:ext>
-    </p:extLst>
-  </p:cSld>
-  <p:clrMapOvr>
-    <a:masterClrMapping/>
-  </p:clrMapOvr>
-</p:sld>
-</file>
-
-<file path=ppt/slides/slide3.xml><?xml version="1.0" encoding="utf-8"?>
-<p:sld xmlns:a="http://schemas.openxmlformats.org/drawingml/2006/main" xmlns:p="http://schemas.openxmlformats.org/presentationml/2006/main" xmlns:r="http://schemas.openxmlformats.org/officeDocument/2006/relationships">
-  <p:cSld>
-    <p:spTree>
-      <p:nvGrpSpPr>
-        <p:cNvPr id="1" name=""/>
-        <p:cNvGrpSpPr/>
-        <p:nvPr/>
-      </p:nvGrpSpPr>
-      <p:grpSpPr>
-        <a:xfrm>
-          <a:off x="0" y="0"/>
-          <a:ext cx="0" cy="0"/>
-          <a:chOff x="0" y="0"/>
-          <a:chExt cx="0" cy="0"/>
-        </a:xfrm>
-      </p:grpSpPr>
-      <p:pic>
-        <p:nvPicPr>
-          <p:cNvPr descr="Map" id="3" name="slide3">
-            <a:extLst>
-              <a:ext uri="{FF2B5EF4-FFF2-40B4-BE49-F238E27FC236}">
-                <a16:creationId xmlns:a16="http://schemas.microsoft.com/office/drawing/2014/main" id="{625A1290-0667-4FB9-A69F-7521438A7403}"/>
-              </a:ext>
-            </a:extLst>
-          </p:cNvPr>
-          <p:cNvPicPr>
-            <a:picLocks noChangeAspect="1"/>
-          </p:cNvPicPr>
-          <p:nvPr/>
-        </p:nvPicPr>
-        <p:blipFill>
-          <a:blip r:embed="rId8">
-            <a:extLst>
-              <a:ext uri="{28A0092B-C50C-407E-A947-70E740481C1C}">
-                <a14:useLocalDpi xmlns:a14="http://schemas.microsoft.com/office/drawing/2010/main" val="0"/>
-              </a:ext>
-            </a:extLst>
-          </a:blip>
-          <a:stretch>
-            <a:fillRect/>
-          </a:stretch>
-        </p:blipFill>
-        <p:spPr>
-          <a:xfrm>
-            <a:off x="402954" y="0"/>
-            <a:ext cx="11386091" cy="6858000"/>
-          </a:xfrm>
-          <a:prstGeom prst="rect">
-            <a:avLst/>
-          </a:prstGeom>
-        </p:spPr>
-      </p:pic>
-    </p:spTree>
-    <p:extLst>
-      <p:ext uri="{BB962C8B-B14F-4D97-AF65-F5344CB8AC3E}">
-        <p14:creationId xmlns:p14="http://schemas.microsoft.com/office/powerpoint/2010/main" val="95992585"/>
-      </p:ext>
-    </p:extLst>
-  </p:cSld>
-  <p:clrMapOvr>
-    <a:masterClrMapping/>
-  </p:clrMapOvr>
-</p:sld>
-</file>
-
-<file path=ppt/slides/slide4.xml><?xml version="1.0" encoding="utf-8"?>
-<p:sld xmlns:a="http://schemas.openxmlformats.org/drawingml/2006/main" xmlns:p="http://schemas.openxmlformats.org/presentationml/2006/main" xmlns:r="http://schemas.openxmlformats.org/officeDocument/2006/relationships">
-  <p:cSld>
-    <p:spTree>
-      <p:nvGrpSpPr>
-        <p:cNvPr id="1" name=""/>
-        <p:cNvGrpSpPr/>
-        <p:nvPr/>
-      </p:nvGrpSpPr>
-      <p:grpSpPr>
-        <a:xfrm>
-          <a:off x="0" y="0"/>
-          <a:ext cx="0" cy="0"/>
-          <a:chOff x="0" y="0"/>
-          <a:chExt cx="0" cy="0"/>
-        </a:xfrm>
-      </p:grpSpPr>
-      <p:pic>
-        <p:nvPicPr>
-          <p:cNvPr descr="Estimated Road Traffic Death Rate 1" id="4" name="slide4">
-            <a:extLst>
-              <a:ext uri="{FF2B5EF4-FFF2-40B4-BE49-F238E27FC236}">
-                <a16:creationId xmlns:a16="http://schemas.microsoft.com/office/drawing/2014/main" id="{534F1AA2-F047-4BF1-A012-231BDD7A56E1}"/>
-              </a:ext>
-            </a:extLst>
-          </p:cNvPr>
-          <p:cNvPicPr>
-            <a:picLocks noChangeAspect="1"/>
-          </p:cNvPicPr>
-          <p:nvPr/>
-        </p:nvPicPr>
-        <p:blipFill>
-          <a:blip r:embed="rId9">
-            <a:extLst>
-              <a:ext uri="{28A0092B-C50C-407E-A947-70E740481C1C}">
-                <a14:useLocalDpi xmlns:a14="http://schemas.microsoft.com/office/drawing/2010/main" val="0"/>
-              </a:ext>
-            </a:extLst>
-          </a:blip>
-          <a:stretch>
-            <a:fillRect/>
-          </a:stretch>
-        </p:blipFill>
-        <p:spPr>
-          <a:xfrm>
-            <a:off x="1178039" y="0"/>
-            <a:ext cx="9835921" cy="6858000"/>
-          </a:xfrm>
-          <a:prstGeom prst="rect">
-            <a:avLst/>
-          </a:prstGeom>
-        </p:spPr>
-      </p:pic>
-    </p:spTree>
-    <p:extLst>
-      <p:ext uri="{BB962C8B-B14F-4D97-AF65-F5344CB8AC3E}">
-        <p14:creationId xmlns:p14="http://schemas.microsoft.com/office/powerpoint/2010/main" val="95992585"/>
-      </p:ext>
-    </p:extLst>
-  </p:cSld>
-  <p:clrMapOvr>
-    <a:masterClrMapping/>
-  </p:clrMapOvr>
-</p:sld>
-</file>
-
-<file path=ppt/slides/slide5.xml><?xml version="1.0" encoding="utf-8"?>
-<p:sld xmlns:a="http://schemas.openxmlformats.org/drawingml/2006/main" xmlns:p="http://schemas.openxmlformats.org/presentationml/2006/main" xmlns:r="http://schemas.openxmlformats.org/officeDocument/2006/relationships">
-  <p:cSld>
-    <p:spTree>
-      <p:nvGrpSpPr>
-        <p:cNvPr id="1" name=""/>
-        <p:cNvGrpSpPr/>
-        <p:nvPr/>
-      </p:nvGrpSpPr>
-      <p:grpSpPr>
-        <a:xfrm>
-          <a:off x="0" y="0"/>
-          <a:ext cx="0" cy="0"/>
-          <a:chOff x="0" y="0"/>
-          <a:chExt cx="0" cy="0"/>
-        </a:xfrm>
-      </p:grpSpPr>
-      <p:pic>
-        <p:nvPicPr>
-          <p:cNvPr descr="Estimated road traffic death rate " id="5" name="slide5">
-            <a:extLst>
-              <a:ext uri="{FF2B5EF4-FFF2-40B4-BE49-F238E27FC236}">
-                <a16:creationId xmlns:a16="http://schemas.microsoft.com/office/drawing/2014/main" id="{A4DD47F9-1509-4633-91E6-8517C119A2CB}"/>
-              </a:ext>
-            </a:extLst>
-          </p:cNvPr>
-          <p:cNvPicPr>
-            <a:picLocks noChangeAspect="1"/>
-          </p:cNvPicPr>
-          <p:nvPr/>
-        </p:nvPicPr>
-        <p:blipFill>
-          <a:blip r:embed="rId10">
-            <a:extLst>
-              <a:ext uri="{28A0092B-C50C-407E-A947-70E740481C1C}">
-                <a14:useLocalDpi xmlns:a14="http://schemas.microsoft.com/office/drawing/2010/main" val="0"/>
-              </a:ext>
-            </a:extLst>
-          </a:blip>
-          <a:stretch>
-            <a:fillRect/>
-          </a:stretch>
-        </p:blipFill>
-        <p:spPr>
-          <a:xfrm>
-            <a:off x="145803" y="0"/>
-            <a:ext cx="11900394" cy="6858000"/>
           </a:xfrm>
           <a:prstGeom prst="rect">
             <a:avLst/>
